--- a/PPt_Sweden.pptx
+++ b/PPt_Sweden.pptx
@@ -7,10 +7,10 @@
   <p:sldIdLst>
     <p:sldId id="256" r:id="rId2"/>
     <p:sldId id="267" r:id="rId3"/>
-    <p:sldId id="257" r:id="rId4"/>
-    <p:sldId id="258" r:id="rId5"/>
-    <p:sldId id="268" r:id="rId6"/>
-    <p:sldId id="269" r:id="rId7"/>
+    <p:sldId id="258" r:id="rId4"/>
+    <p:sldId id="268" r:id="rId5"/>
+    <p:sldId id="269" r:id="rId6"/>
+    <p:sldId id="257" r:id="rId7"/>
     <p:sldId id="259" r:id="rId8"/>
     <p:sldId id="260" r:id="rId9"/>
     <p:sldId id="261" r:id="rId10"/>
@@ -255,7 +255,7 @@
           <a:p>
             <a:fld id="{098CF358-4F8B-4B4C-B924-0BD5AA07EAF0}" type="datetimeFigureOut">
               <a:rPr lang="en-IN" smtClean="0"/>
-              <a:t>05-11-2019</a:t>
+              <a:t>06-11-2019</a:t>
             </a:fld>
             <a:endParaRPr lang="en-IN"/>
           </a:p>
@@ -425,7 +425,7 @@
           <a:p>
             <a:fld id="{098CF358-4F8B-4B4C-B924-0BD5AA07EAF0}" type="datetimeFigureOut">
               <a:rPr lang="en-IN" smtClean="0"/>
-              <a:t>05-11-2019</a:t>
+              <a:t>06-11-2019</a:t>
             </a:fld>
             <a:endParaRPr lang="en-IN"/>
           </a:p>
@@ -605,7 +605,7 @@
           <a:p>
             <a:fld id="{098CF358-4F8B-4B4C-B924-0BD5AA07EAF0}" type="datetimeFigureOut">
               <a:rPr lang="en-IN" smtClean="0"/>
-              <a:t>05-11-2019</a:t>
+              <a:t>06-11-2019</a:t>
             </a:fld>
             <a:endParaRPr lang="en-IN"/>
           </a:p>
@@ -775,7 +775,7 @@
           <a:p>
             <a:fld id="{098CF358-4F8B-4B4C-B924-0BD5AA07EAF0}" type="datetimeFigureOut">
               <a:rPr lang="en-IN" smtClean="0"/>
-              <a:t>05-11-2019</a:t>
+              <a:t>06-11-2019</a:t>
             </a:fld>
             <a:endParaRPr lang="en-IN"/>
           </a:p>
@@ -1021,7 +1021,7 @@
           <a:p>
             <a:fld id="{098CF358-4F8B-4B4C-B924-0BD5AA07EAF0}" type="datetimeFigureOut">
               <a:rPr lang="en-IN" smtClean="0"/>
-              <a:t>05-11-2019</a:t>
+              <a:t>06-11-2019</a:t>
             </a:fld>
             <a:endParaRPr lang="en-IN"/>
           </a:p>
@@ -1253,7 +1253,7 @@
           <a:p>
             <a:fld id="{098CF358-4F8B-4B4C-B924-0BD5AA07EAF0}" type="datetimeFigureOut">
               <a:rPr lang="en-IN" smtClean="0"/>
-              <a:t>05-11-2019</a:t>
+              <a:t>06-11-2019</a:t>
             </a:fld>
             <a:endParaRPr lang="en-IN"/>
           </a:p>
@@ -1620,7 +1620,7 @@
           <a:p>
             <a:fld id="{098CF358-4F8B-4B4C-B924-0BD5AA07EAF0}" type="datetimeFigureOut">
               <a:rPr lang="en-IN" smtClean="0"/>
-              <a:t>05-11-2019</a:t>
+              <a:t>06-11-2019</a:t>
             </a:fld>
             <a:endParaRPr lang="en-IN"/>
           </a:p>
@@ -1738,7 +1738,7 @@
           <a:p>
             <a:fld id="{098CF358-4F8B-4B4C-B924-0BD5AA07EAF0}" type="datetimeFigureOut">
               <a:rPr lang="en-IN" smtClean="0"/>
-              <a:t>05-11-2019</a:t>
+              <a:t>06-11-2019</a:t>
             </a:fld>
             <a:endParaRPr lang="en-IN"/>
           </a:p>
@@ -1833,7 +1833,7 @@
           <a:p>
             <a:fld id="{098CF358-4F8B-4B4C-B924-0BD5AA07EAF0}" type="datetimeFigureOut">
               <a:rPr lang="en-IN" smtClean="0"/>
-              <a:t>05-11-2019</a:t>
+              <a:t>06-11-2019</a:t>
             </a:fld>
             <a:endParaRPr lang="en-IN"/>
           </a:p>
@@ -2110,7 +2110,7 @@
           <a:p>
             <a:fld id="{098CF358-4F8B-4B4C-B924-0BD5AA07EAF0}" type="datetimeFigureOut">
               <a:rPr lang="en-IN" smtClean="0"/>
-              <a:t>05-11-2019</a:t>
+              <a:t>06-11-2019</a:t>
             </a:fld>
             <a:endParaRPr lang="en-IN"/>
           </a:p>
@@ -2363,7 +2363,7 @@
           <a:p>
             <a:fld id="{098CF358-4F8B-4B4C-B924-0BD5AA07EAF0}" type="datetimeFigureOut">
               <a:rPr lang="en-IN" smtClean="0"/>
-              <a:t>05-11-2019</a:t>
+              <a:t>06-11-2019</a:t>
             </a:fld>
             <a:endParaRPr lang="en-IN"/>
           </a:p>
@@ -2576,7 +2576,7 @@
           <a:p>
             <a:fld id="{098CF358-4F8B-4B4C-B924-0BD5AA07EAF0}" type="datetimeFigureOut">
               <a:rPr lang="en-IN" smtClean="0"/>
-              <a:t>05-11-2019</a:t>
+              <a:t>06-11-2019</a:t>
             </a:fld>
             <a:endParaRPr lang="en-IN"/>
           </a:p>
@@ -4509,15 +4509,32 @@
           </a:p>
         </p:txBody>
       </p:sp>
+      <p:sp>
+        <p:nvSpPr>
+          <p:cNvPr id="3" name="Content Placeholder 2"/>
+          <p:cNvSpPr>
+            <a:spLocks noGrp="1"/>
+          </p:cNvSpPr>
+          <p:nvPr>
+            <p:ph idx="1"/>
+          </p:nvPr>
+        </p:nvSpPr>
+        <p:spPr/>
+        <p:txBody>
+          <a:bodyPr/>
+          <a:lstStyle/>
+          <a:p>
+            <a:endParaRPr lang="en-IN"/>
+          </a:p>
+        </p:txBody>
+      </p:sp>
       <p:pic>
         <p:nvPicPr>
-          <p:cNvPr id="4098" name="Picture 2" descr="Sweden "/>
+          <p:cNvPr id="6148" name="Picture 4" descr=" is  "/>
           <p:cNvPicPr>
-            <a:picLocks noGrp="1" noChangeAspect="1" noChangeArrowheads="1"/>
+            <a:picLocks noChangeAspect="1" noChangeArrowheads="1"/>
           </p:cNvPicPr>
-          <p:nvPr>
-            <p:ph idx="1"/>
-          </p:nvPr>
+          <p:nvPr/>
         </p:nvPicPr>
         <p:blipFill>
           <a:blip r:embed="rId2">
@@ -4534,8 +4551,8 @@
         </p:blipFill>
         <p:spPr bwMode="auto">
           <a:xfrm>
-            <a:off x="0" y="0"/>
-            <a:ext cx="12192000" cy="6858000"/>
+            <a:off x="-303948" y="-79734"/>
+            <a:ext cx="12172950" cy="6871648"/>
           </a:xfrm>
           <a:prstGeom prst="rect">
             <a:avLst/>
@@ -4560,15 +4577,13 @@
         </p:nvSpPr>
         <p:spPr>
           <a:xfrm>
-            <a:off x="395785" y="5049672"/>
-            <a:ext cx="3480179" cy="1200329"/>
+            <a:off x="3575715" y="365125"/>
+            <a:ext cx="5340824" cy="923330"/>
           </a:xfrm>
           <a:prstGeom prst="rect">
             <a:avLst/>
           </a:prstGeom>
-          <a:solidFill>
-            <a:schemeClr val="tx1"/>
-          </a:solidFill>
+          <a:noFill/>
         </p:spPr>
         <p:txBody>
           <a:bodyPr wrap="square" rtlCol="0">
@@ -4577,14 +4592,14 @@
           <a:lstStyle/>
           <a:p>
             <a:r>
-              <a:rPr lang="en-US" sz="7200" dirty="0" smtClean="0">
+              <a:rPr lang="en-US" sz="5400" b="1" dirty="0" smtClean="0">
                 <a:solidFill>
                   <a:schemeClr val="bg1"/>
                 </a:solidFill>
               </a:rPr>
-              <a:t>History</a:t>
-            </a:r>
-            <a:endParaRPr lang="en-IN" sz="7200" dirty="0">
+              <a:t>Visible Aspects</a:t>
+            </a:r>
+            <a:endParaRPr lang="en-IN" sz="5400" b="1" dirty="0">
               <a:solidFill>
                 <a:schemeClr val="bg1"/>
               </a:solidFill>
@@ -4592,10 +4607,246 @@
           </a:p>
         </p:txBody>
       </p:sp>
+      <p:sp>
+        <p:nvSpPr>
+          <p:cNvPr id="5" name="TextBox 4"/>
+          <p:cNvSpPr txBox="1"/>
+          <p:nvPr/>
+        </p:nvSpPr>
+        <p:spPr>
+          <a:xfrm>
+            <a:off x="8279641" y="1871362"/>
+            <a:ext cx="3589361" cy="2308324"/>
+          </a:xfrm>
+          <a:prstGeom prst="rect">
+            <a:avLst/>
+          </a:prstGeom>
+          <a:noFill/>
+        </p:spPr>
+        <p:txBody>
+          <a:bodyPr wrap="square" rtlCol="0">
+            <a:spAutoFit/>
+          </a:bodyPr>
+          <a:lstStyle/>
+          <a:p>
+            <a:r>
+              <a:rPr lang="en-US" sz="4000" b="1" dirty="0" smtClean="0">
+                <a:solidFill>
+                  <a:schemeClr val="bg1"/>
+                </a:solidFill>
+              </a:rPr>
+              <a:t>Geography</a:t>
+            </a:r>
+          </a:p>
+          <a:p>
+            <a:pPr marL="342900" indent="-342900">
+              <a:buFont typeface="Arial" panose="020B0604020202020204" pitchFamily="34" charset="0"/>
+              <a:buChar char="•"/>
+            </a:pPr>
+            <a:r>
+              <a:rPr lang="en-US" sz="2000" dirty="0" smtClean="0">
+                <a:solidFill>
+                  <a:schemeClr val="bg1"/>
+                </a:solidFill>
+              </a:rPr>
+              <a:t>Scandinavian peninsula</a:t>
+            </a:r>
+          </a:p>
+          <a:p>
+            <a:pPr marL="342900" indent="-342900">
+              <a:buFont typeface="Arial" panose="020B0604020202020204" pitchFamily="34" charset="0"/>
+              <a:buChar char="•"/>
+            </a:pPr>
+            <a:r>
+              <a:rPr lang="en-US" sz="2000" dirty="0" smtClean="0">
+                <a:solidFill>
+                  <a:schemeClr val="bg1"/>
+                </a:solidFill>
+              </a:rPr>
+              <a:t>Flat and gently rolling grounds</a:t>
+            </a:r>
+          </a:p>
+          <a:p>
+            <a:pPr marL="342900" indent="-342900">
+              <a:buFont typeface="Arial" panose="020B0604020202020204" pitchFamily="34" charset="0"/>
+              <a:buChar char="•"/>
+            </a:pPr>
+            <a:r>
+              <a:rPr lang="en-US" sz="2000" dirty="0" smtClean="0">
+                <a:solidFill>
+                  <a:schemeClr val="bg1"/>
+                </a:solidFill>
+              </a:rPr>
+              <a:t>Mountain in west</a:t>
+            </a:r>
+            <a:endParaRPr lang="en-US" sz="2000" dirty="0">
+              <a:solidFill>
+                <a:schemeClr val="bg1"/>
+              </a:solidFill>
+            </a:endParaRPr>
+          </a:p>
+          <a:p>
+            <a:endParaRPr lang="en-IN" sz="2400" dirty="0">
+              <a:solidFill>
+                <a:schemeClr val="bg1"/>
+              </a:solidFill>
+            </a:endParaRPr>
+          </a:p>
+        </p:txBody>
+      </p:sp>
+      <p:sp>
+        <p:nvSpPr>
+          <p:cNvPr id="7" name="TextBox 6"/>
+          <p:cNvSpPr txBox="1"/>
+          <p:nvPr/>
+        </p:nvSpPr>
+        <p:spPr>
+          <a:xfrm>
+            <a:off x="1353402" y="1978025"/>
+            <a:ext cx="3589361" cy="2616101"/>
+          </a:xfrm>
+          <a:prstGeom prst="rect">
+            <a:avLst/>
+          </a:prstGeom>
+          <a:noFill/>
+        </p:spPr>
+        <p:txBody>
+          <a:bodyPr wrap="square" rtlCol="0">
+            <a:spAutoFit/>
+          </a:bodyPr>
+          <a:lstStyle/>
+          <a:p>
+            <a:r>
+              <a:rPr lang="en-US" sz="4000" b="1" dirty="0" smtClean="0">
+                <a:solidFill>
+                  <a:schemeClr val="bg1"/>
+                </a:solidFill>
+              </a:rPr>
+              <a:t>Climate</a:t>
+            </a:r>
+          </a:p>
+          <a:p>
+            <a:pPr marL="342900" indent="-342900">
+              <a:buFont typeface="Arial" panose="020B0604020202020204" pitchFamily="34" charset="0"/>
+              <a:buChar char="•"/>
+            </a:pPr>
+            <a:r>
+              <a:rPr lang="en-US" sz="2000" dirty="0" smtClean="0">
+                <a:solidFill>
+                  <a:schemeClr val="bg1"/>
+                </a:solidFill>
+              </a:rPr>
+              <a:t>Influenced by Gulf stream</a:t>
+            </a:r>
+          </a:p>
+          <a:p>
+            <a:pPr marL="342900" indent="-342900">
+              <a:buFont typeface="Arial" panose="020B0604020202020204" pitchFamily="34" charset="0"/>
+              <a:buChar char="•"/>
+            </a:pPr>
+            <a:r>
+              <a:rPr lang="en-US" sz="2000" dirty="0" smtClean="0">
+                <a:solidFill>
+                  <a:schemeClr val="bg1"/>
+                </a:solidFill>
+              </a:rPr>
+              <a:t>In summer 13 to 17 degree Celsius</a:t>
+            </a:r>
+          </a:p>
+          <a:p>
+            <a:pPr marL="342900" indent="-342900">
+              <a:buFont typeface="Arial" panose="020B0604020202020204" pitchFamily="34" charset="0"/>
+              <a:buChar char="•"/>
+            </a:pPr>
+            <a:r>
+              <a:rPr lang="en-US" sz="2000" dirty="0" smtClean="0">
+                <a:solidFill>
+                  <a:schemeClr val="bg1"/>
+                </a:solidFill>
+              </a:rPr>
+              <a:t>Winter -22 to -3 degree Celsius</a:t>
+            </a:r>
+            <a:endParaRPr lang="en-US" sz="2000" dirty="0">
+              <a:solidFill>
+                <a:schemeClr val="bg1"/>
+              </a:solidFill>
+            </a:endParaRPr>
+          </a:p>
+          <a:p>
+            <a:endParaRPr lang="en-IN" sz="2400" dirty="0">
+              <a:solidFill>
+                <a:schemeClr val="bg1"/>
+              </a:solidFill>
+            </a:endParaRPr>
+          </a:p>
+        </p:txBody>
+      </p:sp>
+      <p:sp>
+        <p:nvSpPr>
+          <p:cNvPr id="8" name="TextBox 7"/>
+          <p:cNvSpPr txBox="1"/>
+          <p:nvPr/>
+        </p:nvSpPr>
+        <p:spPr>
+          <a:xfrm>
+            <a:off x="4812899" y="1971095"/>
+            <a:ext cx="4465092" cy="1384995"/>
+          </a:xfrm>
+          <a:prstGeom prst="rect">
+            <a:avLst/>
+          </a:prstGeom>
+          <a:noFill/>
+        </p:spPr>
+        <p:txBody>
+          <a:bodyPr wrap="square" rtlCol="0">
+            <a:spAutoFit/>
+          </a:bodyPr>
+          <a:lstStyle/>
+          <a:p>
+            <a:r>
+              <a:rPr lang="en-US" sz="4000" b="1" dirty="0" smtClean="0">
+                <a:solidFill>
+                  <a:schemeClr val="bg1"/>
+                </a:solidFill>
+              </a:rPr>
+              <a:t>Language</a:t>
+            </a:r>
+          </a:p>
+          <a:p>
+            <a:pPr marL="342900" indent="-342900">
+              <a:buFont typeface="Arial" panose="020B0604020202020204" pitchFamily="34" charset="0"/>
+              <a:buChar char="•"/>
+            </a:pPr>
+            <a:r>
+              <a:rPr lang="en-US" sz="2000" dirty="0" smtClean="0">
+                <a:solidFill>
+                  <a:schemeClr val="bg1"/>
+                </a:solidFill>
+              </a:rPr>
+              <a:t>Swedish</a:t>
+            </a:r>
+            <a:r>
+              <a:rPr lang="en-US" sz="2000" b="1" dirty="0" smtClean="0">
+                <a:solidFill>
+                  <a:schemeClr val="bg1"/>
+                </a:solidFill>
+              </a:rPr>
+              <a:t> </a:t>
+            </a:r>
+          </a:p>
+          <a:p>
+            <a:endParaRPr lang="en-IN" sz="2400" dirty="0">
+              <a:solidFill>
+                <a:schemeClr val="bg1"/>
+              </a:solidFill>
+            </a:endParaRPr>
+          </a:p>
+        </p:txBody>
+      </p:sp>
     </p:spTree>
     <p:extLst>
       <p:ext uri="{BB962C8B-B14F-4D97-AF65-F5344CB8AC3E}">
-        <p14:creationId xmlns:p14="http://schemas.microsoft.com/office/powerpoint/2010/main" val="1728878270"/>
+        <p14:creationId xmlns:p14="http://schemas.microsoft.com/office/powerpoint/2010/main" val="1582092677"/>
       </p:ext>
     </p:extLst>
   </p:cSld>
@@ -4747,8 +4998,8 @@
         </p:nvSpPr>
         <p:spPr>
           <a:xfrm>
-            <a:off x="8279641" y="1871362"/>
-            <a:ext cx="3589361" cy="2308324"/>
+            <a:off x="6901217" y="1978025"/>
+            <a:ext cx="3589361" cy="2554545"/>
           </a:xfrm>
           <a:prstGeom prst="rect">
             <a:avLst/>
@@ -4767,7 +5018,7 @@
                   <a:schemeClr val="bg1"/>
                 </a:solidFill>
               </a:rPr>
-              <a:t>Geography</a:t>
+              <a:t>Dressing Style</a:t>
             </a:r>
           </a:p>
           <a:p>
@@ -4776,12 +5027,43 @@
               <a:buChar char="•"/>
             </a:pPr>
             <a:r>
-              <a:rPr lang="en-US" sz="2000" dirty="0" smtClean="0">
+              <a:rPr lang="en-US" sz="2400" dirty="0" smtClean="0">
                 <a:solidFill>
                   <a:schemeClr val="bg1"/>
                 </a:solidFill>
               </a:rPr>
-              <a:t>Scandinavian peninsula</a:t>
+              <a:t>Natural </a:t>
+            </a:r>
+            <a:r>
+              <a:rPr lang="en-US" sz="2400" dirty="0" err="1" smtClean="0">
+                <a:solidFill>
+                  <a:schemeClr val="bg1"/>
+                </a:solidFill>
+              </a:rPr>
+              <a:t>fibres</a:t>
+            </a:r>
+            <a:endParaRPr lang="en-US" sz="2400" dirty="0" smtClean="0">
+              <a:solidFill>
+                <a:schemeClr val="bg1"/>
+              </a:solidFill>
+            </a:endParaRPr>
+          </a:p>
+          <a:p>
+            <a:r>
+              <a:rPr lang="en-US" sz="2400" dirty="0">
+                <a:solidFill>
+                  <a:schemeClr val="bg1"/>
+                </a:solidFill>
+              </a:rPr>
+              <a:t> </a:t>
+            </a:r>
+            <a:r>
+              <a:rPr lang="en-US" sz="2400" dirty="0" smtClean="0">
+                <a:solidFill>
+                  <a:schemeClr val="bg1"/>
+                </a:solidFill>
+              </a:rPr>
+              <a:t>like – wool , linen, cotton and silk.</a:t>
             </a:r>
           </a:p>
           <a:p>
@@ -4790,12 +5072,12 @@
               <a:buChar char="•"/>
             </a:pPr>
             <a:r>
-              <a:rPr lang="en-US" sz="2000" dirty="0" smtClean="0">
+              <a:rPr lang="en-US" sz="2400" dirty="0" smtClean="0">
                 <a:solidFill>
                   <a:schemeClr val="bg1"/>
                 </a:solidFill>
               </a:rPr>
-              <a:t>Flat and gently rolling grounds</a:t>
+              <a:t>Black is very common</a:t>
             </a:r>
           </a:p>
           <a:p>
@@ -4804,20 +5086,13 @@
               <a:buChar char="•"/>
             </a:pPr>
             <a:r>
-              <a:rPr lang="en-US" sz="2000" dirty="0" smtClean="0">
+              <a:rPr lang="en-US" sz="2400" dirty="0" smtClean="0">
                 <a:solidFill>
                   <a:schemeClr val="bg1"/>
                 </a:solidFill>
               </a:rPr>
-              <a:t>Mountain in west</a:t>
-            </a:r>
-            <a:endParaRPr lang="en-US" sz="2000" dirty="0">
-              <a:solidFill>
-                <a:schemeClr val="bg1"/>
-              </a:solidFill>
-            </a:endParaRPr>
-          </a:p>
-          <a:p>
+              <a:t>Swedish Fashion Council</a:t>
+            </a:r>
             <a:endParaRPr lang="en-IN" sz="2400" dirty="0">
               <a:solidFill>
                 <a:schemeClr val="bg1"/>
@@ -4835,7 +5110,7 @@
         <p:spPr>
           <a:xfrm>
             <a:off x="1353402" y="1978025"/>
-            <a:ext cx="3589361" cy="2616101"/>
+            <a:ext cx="3589361" cy="2923877"/>
           </a:xfrm>
           <a:prstGeom prst="rect">
             <a:avLst/>
@@ -4854,7 +5129,7 @@
                   <a:schemeClr val="bg1"/>
                 </a:solidFill>
               </a:rPr>
-              <a:t>Climate</a:t>
+              <a:t>Food</a:t>
             </a:r>
           </a:p>
           <a:p>
@@ -4863,12 +5138,12 @@
               <a:buChar char="•"/>
             </a:pPr>
             <a:r>
-              <a:rPr lang="en-US" sz="2000" dirty="0" smtClean="0">
+              <a:rPr lang="en-US" sz="2400" dirty="0" smtClean="0">
                 <a:solidFill>
                   <a:schemeClr val="bg1"/>
                 </a:solidFill>
               </a:rPr>
-              <a:t>Influenced by Gulf stream</a:t>
+              <a:t>Pizza, kebabs, falafels, hamburgers</a:t>
             </a:r>
           </a:p>
           <a:p>
@@ -4877,12 +5152,12 @@
               <a:buChar char="•"/>
             </a:pPr>
             <a:r>
-              <a:rPr lang="en-US" sz="2000" dirty="0" smtClean="0">
+              <a:rPr lang="en-US" sz="2400" dirty="0" smtClean="0">
                 <a:solidFill>
                   <a:schemeClr val="bg1"/>
                 </a:solidFill>
               </a:rPr>
-              <a:t>In summer 13 to 17 degree Celsius</a:t>
+              <a:t>Breakfast -  Milk products</a:t>
             </a:r>
           </a:p>
           <a:p>
@@ -4891,20 +5166,21 @@
               <a:buChar char="•"/>
             </a:pPr>
             <a:r>
-              <a:rPr lang="en-US" sz="2000" dirty="0" smtClean="0">
+              <a:rPr lang="en-US" sz="2400" dirty="0" err="1" smtClean="0">
                 <a:solidFill>
                   <a:schemeClr val="bg1"/>
                 </a:solidFill>
               </a:rPr>
-              <a:t>Winter -22 to -3 degree Celsius</a:t>
-            </a:r>
-            <a:endParaRPr lang="en-US" sz="2000" dirty="0">
-              <a:solidFill>
-                <a:schemeClr val="bg1"/>
-              </a:solidFill>
-            </a:endParaRPr>
-          </a:p>
-          <a:p>
+              <a:t>Husmanskost</a:t>
+            </a:r>
+            <a:r>
+              <a:rPr lang="en-US" sz="2400" dirty="0" smtClean="0">
+                <a:solidFill>
+                  <a:schemeClr val="bg1"/>
+                </a:solidFill>
+              </a:rPr>
+              <a:t> – diet of potato, meat and fish</a:t>
+            </a:r>
             <a:endParaRPr lang="en-IN" sz="2400" dirty="0">
               <a:solidFill>
                 <a:schemeClr val="bg1"/>
@@ -4913,72 +5189,10 @@
           </a:p>
         </p:txBody>
       </p:sp>
-      <p:sp>
-        <p:nvSpPr>
-          <p:cNvPr id="8" name="TextBox 7"/>
-          <p:cNvSpPr txBox="1"/>
-          <p:nvPr/>
-        </p:nvSpPr>
-        <p:spPr>
-          <a:xfrm>
-            <a:off x="4812899" y="1971095"/>
-            <a:ext cx="4465092" cy="1384995"/>
-          </a:xfrm>
-          <a:prstGeom prst="rect">
-            <a:avLst/>
-          </a:prstGeom>
-          <a:noFill/>
-        </p:spPr>
-        <p:txBody>
-          <a:bodyPr wrap="square" rtlCol="0">
-            <a:spAutoFit/>
-          </a:bodyPr>
-          <a:lstStyle/>
-          <a:p>
-            <a:r>
-              <a:rPr lang="en-US" sz="4000" b="1" dirty="0" smtClean="0">
-                <a:solidFill>
-                  <a:schemeClr val="bg1"/>
-                </a:solidFill>
-              </a:rPr>
-              <a:t>Language</a:t>
-            </a:r>
-          </a:p>
-          <a:p>
-            <a:pPr marL="342900" indent="-342900">
-              <a:buFont typeface="Arial" panose="020B0604020202020204" pitchFamily="34" charset="0"/>
-              <a:buChar char="•"/>
-            </a:pPr>
-            <a:r>
-              <a:rPr lang="en-US" sz="2000" dirty="0" smtClean="0">
-                <a:solidFill>
-                  <a:schemeClr val="bg1"/>
-                </a:solidFill>
-              </a:rPr>
-              <a:t>Swedish</a:t>
-            </a:r>
-            <a:r>
-              <a:rPr lang="en-US" sz="2000" b="1" dirty="0" smtClean="0">
-                <a:solidFill>
-                  <a:schemeClr val="bg1"/>
-                </a:solidFill>
-              </a:rPr>
-              <a:t> </a:t>
-            </a:r>
-          </a:p>
-          <a:p>
-            <a:endParaRPr lang="en-IN" sz="2400" dirty="0">
-              <a:solidFill>
-                <a:schemeClr val="bg1"/>
-              </a:solidFill>
-            </a:endParaRPr>
-          </a:p>
-        </p:txBody>
-      </p:sp>
     </p:spTree>
     <p:extLst>
       <p:ext uri="{BB962C8B-B14F-4D97-AF65-F5344CB8AC3E}">
-        <p14:creationId xmlns:p14="http://schemas.microsoft.com/office/powerpoint/2010/main" val="1582092677"/>
+        <p14:creationId xmlns:p14="http://schemas.microsoft.com/office/powerpoint/2010/main" val="3186463560"/>
       </p:ext>
     </p:extLst>
   </p:cSld>
@@ -5130,8 +5344,8 @@
         </p:nvSpPr>
         <p:spPr>
           <a:xfrm>
-            <a:off x="6901217" y="1978025"/>
-            <a:ext cx="3589361" cy="2554545"/>
+            <a:off x="8748215" y="1871362"/>
+            <a:ext cx="3120788" cy="1692771"/>
           </a:xfrm>
           <a:prstGeom prst="rect">
             <a:avLst/>
@@ -5150,7 +5364,7 @@
                   <a:schemeClr val="bg1"/>
                 </a:solidFill>
               </a:rPr>
-              <a:t>Dressing Style</a:t>
+              <a:t>Dance</a:t>
             </a:r>
           </a:p>
           <a:p>
@@ -5159,72 +5373,50 @@
               <a:buChar char="•"/>
             </a:pPr>
             <a:r>
-              <a:rPr lang="en-US" sz="2400" dirty="0" smtClean="0">
+              <a:rPr lang="en-US" sz="2000" dirty="0" err="1" smtClean="0">
                 <a:solidFill>
                   <a:schemeClr val="bg1"/>
                 </a:solidFill>
               </a:rPr>
-              <a:t>Natural </a:t>
-            </a:r>
-            <a:r>
-              <a:rPr lang="en-US" sz="2400" dirty="0" err="1" smtClean="0">
+              <a:t>Hambo</a:t>
+            </a:r>
+            <a:r>
+              <a:rPr lang="en-US" sz="2000" dirty="0" smtClean="0">
                 <a:solidFill>
                   <a:schemeClr val="bg1"/>
                 </a:solidFill>
               </a:rPr>
-              <a:t>fibres</a:t>
-            </a:r>
-            <a:endParaRPr lang="en-US" sz="2400" dirty="0" smtClean="0">
+              <a:t> </a:t>
+            </a:r>
+          </a:p>
+          <a:p>
+            <a:pPr marL="342900" indent="-342900">
+              <a:buFont typeface="Arial" panose="020B0604020202020204" pitchFamily="34" charset="0"/>
+              <a:buChar char="•"/>
+            </a:pPr>
+            <a:r>
+              <a:rPr lang="en-US" sz="2000" dirty="0" err="1" smtClean="0">
+                <a:solidFill>
+                  <a:schemeClr val="bg1"/>
+                </a:solidFill>
+              </a:rPr>
+              <a:t>Polska</a:t>
+            </a:r>
+            <a:r>
+              <a:rPr lang="en-US" sz="2000" dirty="0" smtClean="0">
+                <a:solidFill>
+                  <a:schemeClr val="bg1"/>
+                </a:solidFill>
+              </a:rPr>
+              <a:t> </a:t>
+            </a:r>
+            <a:endParaRPr lang="en-US" sz="2000" dirty="0">
               <a:solidFill>
                 <a:schemeClr val="bg1"/>
               </a:solidFill>
             </a:endParaRPr>
           </a:p>
           <a:p>
-            <a:r>
-              <a:rPr lang="en-US" sz="2400" dirty="0">
-                <a:solidFill>
-                  <a:schemeClr val="bg1"/>
-                </a:solidFill>
-              </a:rPr>
-              <a:t> </a:t>
-            </a:r>
-            <a:r>
-              <a:rPr lang="en-US" sz="2400" dirty="0" smtClean="0">
-                <a:solidFill>
-                  <a:schemeClr val="bg1"/>
-                </a:solidFill>
-              </a:rPr>
-              <a:t>like – wool , linen, cotton and silk.</a:t>
-            </a:r>
-          </a:p>
-          <a:p>
-            <a:pPr marL="342900" indent="-342900">
-              <a:buFont typeface="Arial" panose="020B0604020202020204" pitchFamily="34" charset="0"/>
-              <a:buChar char="•"/>
-            </a:pPr>
-            <a:r>
-              <a:rPr lang="en-US" sz="2400" dirty="0" smtClean="0">
-                <a:solidFill>
-                  <a:schemeClr val="bg1"/>
-                </a:solidFill>
-              </a:rPr>
-              <a:t>Black is very common</a:t>
-            </a:r>
-          </a:p>
-          <a:p>
-            <a:pPr marL="342900" indent="-342900">
-              <a:buFont typeface="Arial" panose="020B0604020202020204" pitchFamily="34" charset="0"/>
-              <a:buChar char="•"/>
-            </a:pPr>
-            <a:r>
-              <a:rPr lang="en-US" sz="2400" dirty="0" smtClean="0">
-                <a:solidFill>
-                  <a:schemeClr val="bg1"/>
-                </a:solidFill>
-              </a:rPr>
-              <a:t>Swedish Fashion Council</a:t>
-            </a:r>
             <a:endParaRPr lang="en-IN" sz="2400" dirty="0">
               <a:solidFill>
                 <a:schemeClr val="bg1"/>
@@ -5241,8 +5433,8 @@
         </p:nvSpPr>
         <p:spPr>
           <a:xfrm>
-            <a:off x="1353402" y="1978025"/>
-            <a:ext cx="3589361" cy="2923877"/>
+            <a:off x="466295" y="1974899"/>
+            <a:ext cx="3589361" cy="2308324"/>
           </a:xfrm>
           <a:prstGeom prst="rect">
             <a:avLst/>
@@ -5261,7 +5453,7 @@
                   <a:schemeClr val="bg1"/>
                 </a:solidFill>
               </a:rPr>
-              <a:t>Food</a:t>
+              <a:t>Greeting</a:t>
             </a:r>
           </a:p>
           <a:p>
@@ -5270,12 +5462,12 @@
               <a:buChar char="•"/>
             </a:pPr>
             <a:r>
-              <a:rPr lang="en-US" sz="2400" dirty="0" smtClean="0">
+              <a:rPr lang="en-US" sz="2000" dirty="0" smtClean="0">
                 <a:solidFill>
                   <a:schemeClr val="bg1"/>
                 </a:solidFill>
               </a:rPr>
-              <a:t>Pizza, kebabs, falafels, hamburgers</a:t>
+              <a:t>Firm handshake with direct eye contact</a:t>
             </a:r>
           </a:p>
           <a:p>
@@ -5284,13 +5476,18 @@
               <a:buChar char="•"/>
             </a:pPr>
             <a:r>
-              <a:rPr lang="en-US" sz="2400" dirty="0" smtClean="0">
+              <a:rPr lang="en-US" sz="2000" dirty="0" err="1" smtClean="0">
                 <a:solidFill>
                   <a:schemeClr val="bg1"/>
                 </a:solidFill>
               </a:rPr>
-              <a:t>Breakfast -  Milk products</a:t>
-            </a:r>
+              <a:t>Hej</a:t>
+            </a:r>
+            <a:endParaRPr lang="en-US" sz="2000" dirty="0" smtClean="0">
+              <a:solidFill>
+                <a:schemeClr val="bg1"/>
+              </a:solidFill>
+            </a:endParaRPr>
           </a:p>
           <a:p>
             <a:pPr marL="342900" indent="-342900">
@@ -5298,21 +5495,28 @@
               <a:buChar char="•"/>
             </a:pPr>
             <a:r>
-              <a:rPr lang="en-US" sz="2400" dirty="0" err="1" smtClean="0">
+              <a:rPr lang="en-US" sz="2000" dirty="0" err="1" smtClean="0">
                 <a:solidFill>
                   <a:schemeClr val="bg1"/>
                 </a:solidFill>
               </a:rPr>
-              <a:t>Husmanskost</a:t>
-            </a:r>
-            <a:r>
-              <a:rPr lang="en-US" sz="2400" dirty="0" smtClean="0">
+              <a:t>Hej</a:t>
+            </a:r>
+            <a:r>
+              <a:rPr lang="en-US" sz="2000" dirty="0" smtClean="0">
                 <a:solidFill>
                   <a:schemeClr val="bg1"/>
                 </a:solidFill>
               </a:rPr>
-              <a:t> – diet of potato, meat and fish</a:t>
-            </a:r>
+              <a:t> da</a:t>
+            </a:r>
+            <a:endParaRPr lang="en-US" sz="2000" dirty="0">
+              <a:solidFill>
+                <a:schemeClr val="bg1"/>
+              </a:solidFill>
+            </a:endParaRPr>
+          </a:p>
+          <a:p>
             <a:endParaRPr lang="en-IN" sz="2400" dirty="0">
               <a:solidFill>
                 <a:schemeClr val="bg1"/>
@@ -5321,10 +5525,155 @@
           </a:p>
         </p:txBody>
       </p:sp>
+      <p:sp>
+        <p:nvSpPr>
+          <p:cNvPr id="8" name="TextBox 7"/>
+          <p:cNvSpPr txBox="1"/>
+          <p:nvPr/>
+        </p:nvSpPr>
+        <p:spPr>
+          <a:xfrm>
+            <a:off x="4427561" y="1990560"/>
+            <a:ext cx="3948749" cy="2923877"/>
+          </a:xfrm>
+          <a:prstGeom prst="rect">
+            <a:avLst/>
+          </a:prstGeom>
+          <a:noFill/>
+        </p:spPr>
+        <p:txBody>
+          <a:bodyPr wrap="square" rtlCol="0">
+            <a:spAutoFit/>
+          </a:bodyPr>
+          <a:lstStyle/>
+          <a:p>
+            <a:r>
+              <a:rPr lang="en-US" sz="4000" b="1" dirty="0" smtClean="0">
+                <a:solidFill>
+                  <a:schemeClr val="bg1"/>
+                </a:solidFill>
+              </a:rPr>
+              <a:t>Music</a:t>
+            </a:r>
+          </a:p>
+          <a:p>
+            <a:pPr marL="342900" indent="-342900">
+              <a:buFont typeface="Arial" panose="020B0604020202020204" pitchFamily="34" charset="0"/>
+              <a:buChar char="•"/>
+            </a:pPr>
+            <a:r>
+              <a:rPr lang="en-US" sz="2000" dirty="0" smtClean="0">
+                <a:solidFill>
+                  <a:schemeClr val="bg1"/>
+                </a:solidFill>
+              </a:rPr>
+              <a:t>Eastern Europe</a:t>
+            </a:r>
+          </a:p>
+          <a:p>
+            <a:pPr marL="342900" indent="-342900">
+              <a:buFont typeface="Arial" panose="020B0604020202020204" pitchFamily="34" charset="0"/>
+              <a:buChar char="•"/>
+            </a:pPr>
+            <a:r>
+              <a:rPr lang="en-US" sz="2000" dirty="0" smtClean="0">
+                <a:solidFill>
+                  <a:schemeClr val="bg1"/>
+                </a:solidFill>
+              </a:rPr>
+              <a:t>Folk song – Ballad and </a:t>
+            </a:r>
+            <a:r>
+              <a:rPr lang="en-US" sz="2000" dirty="0" err="1">
+                <a:solidFill>
+                  <a:schemeClr val="bg1"/>
+                </a:solidFill>
+              </a:rPr>
+              <a:t>K</a:t>
+            </a:r>
+            <a:r>
+              <a:rPr lang="en-US" sz="2000" dirty="0" err="1" smtClean="0">
+                <a:solidFill>
+                  <a:schemeClr val="bg1"/>
+                </a:solidFill>
+              </a:rPr>
+              <a:t>unning</a:t>
+            </a:r>
+            <a:endParaRPr lang="en-US" sz="2000" dirty="0" smtClean="0">
+              <a:solidFill>
+                <a:schemeClr val="bg1"/>
+              </a:solidFill>
+            </a:endParaRPr>
+          </a:p>
+          <a:p>
+            <a:pPr marL="342900" indent="-342900">
+              <a:buFont typeface="Arial" panose="020B0604020202020204" pitchFamily="34" charset="0"/>
+              <a:buChar char="•"/>
+            </a:pPr>
+            <a:r>
+              <a:rPr lang="en-US" sz="2000" dirty="0" smtClean="0">
+                <a:solidFill>
+                  <a:schemeClr val="bg1"/>
+                </a:solidFill>
+              </a:rPr>
+              <a:t>Modern – jazz, pop, rock etc.</a:t>
+            </a:r>
+          </a:p>
+          <a:p>
+            <a:pPr marL="342900" indent="-342900">
+              <a:buFont typeface="Arial" panose="020B0604020202020204" pitchFamily="34" charset="0"/>
+              <a:buChar char="•"/>
+            </a:pPr>
+            <a:r>
+              <a:rPr lang="en-US" sz="2000" dirty="0" smtClean="0">
+                <a:solidFill>
+                  <a:schemeClr val="bg1"/>
+                </a:solidFill>
+              </a:rPr>
+              <a:t>ABBA</a:t>
+            </a:r>
+          </a:p>
+          <a:p>
+            <a:r>
+              <a:rPr lang="en-US" sz="2000" dirty="0" smtClean="0">
+                <a:solidFill>
+                  <a:schemeClr val="bg1"/>
+                </a:solidFill>
+              </a:rPr>
+              <a:t>      Jenny Lind</a:t>
+            </a:r>
+          </a:p>
+          <a:p>
+            <a:r>
+              <a:rPr lang="en-US" sz="2000" dirty="0">
+                <a:solidFill>
+                  <a:schemeClr val="bg1"/>
+                </a:solidFill>
+              </a:rPr>
+              <a:t> </a:t>
+            </a:r>
+            <a:r>
+              <a:rPr lang="en-US" sz="2000" dirty="0" smtClean="0">
+                <a:solidFill>
+                  <a:schemeClr val="bg1"/>
+                </a:solidFill>
+              </a:rPr>
+              <a:t>     Max Martin</a:t>
+            </a:r>
+          </a:p>
+          <a:p>
+            <a:endParaRPr lang="en-IN" sz="2400" dirty="0">
+              <a:solidFill>
+                <a:schemeClr val="bg1"/>
+              </a:solidFill>
+            </a:endParaRPr>
+          </a:p>
+        </p:txBody>
+      </p:sp>
     </p:spTree>
     <p:extLst>
       <p:ext uri="{BB962C8B-B14F-4D97-AF65-F5344CB8AC3E}">
-        <p14:creationId xmlns:p14="http://schemas.microsoft.com/office/powerpoint/2010/main" val="3186463560"/>
+        <p14:creationId xmlns:p14="http://schemas.microsoft.com/office/powerpoint/2010/main" val="3497110165"/>
       </p:ext>
     </p:extLst>
   </p:cSld>
@@ -5370,32 +5719,15 @@
           </a:p>
         </p:txBody>
       </p:sp>
-      <p:sp>
-        <p:nvSpPr>
-          <p:cNvPr id="3" name="Content Placeholder 2"/>
-          <p:cNvSpPr>
-            <a:spLocks noGrp="1"/>
-          </p:cNvSpPr>
-          <p:nvPr>
-            <p:ph idx="1"/>
-          </p:nvPr>
-        </p:nvSpPr>
-        <p:spPr/>
-        <p:txBody>
-          <a:bodyPr/>
-          <a:lstStyle/>
-          <a:p>
-            <a:endParaRPr lang="en-IN"/>
-          </a:p>
-        </p:txBody>
-      </p:sp>
       <p:pic>
         <p:nvPicPr>
-          <p:cNvPr id="6148" name="Picture 4" descr=" is  "/>
+          <p:cNvPr id="4098" name="Picture 2" descr="Sweden "/>
           <p:cNvPicPr>
-            <a:picLocks noChangeAspect="1" noChangeArrowheads="1"/>
+            <a:picLocks noGrp="1" noChangeAspect="1" noChangeArrowheads="1"/>
           </p:cNvPicPr>
-          <p:nvPr/>
+          <p:nvPr>
+            <p:ph idx="1"/>
+          </p:nvPr>
         </p:nvPicPr>
         <p:blipFill>
           <a:blip r:embed="rId2">
@@ -5412,8 +5744,8 @@
         </p:blipFill>
         <p:spPr bwMode="auto">
           <a:xfrm>
-            <a:off x="-303948" y="-79734"/>
-            <a:ext cx="12172950" cy="6871648"/>
+            <a:off x="0" y="0"/>
+            <a:ext cx="12192000" cy="6858000"/>
           </a:xfrm>
           <a:prstGeom prst="rect">
             <a:avLst/>
@@ -5438,13 +5770,15 @@
         </p:nvSpPr>
         <p:spPr>
           <a:xfrm>
-            <a:off x="3575715" y="365125"/>
-            <a:ext cx="5340824" cy="923330"/>
+            <a:off x="395785" y="5049672"/>
+            <a:ext cx="3480179" cy="1200329"/>
           </a:xfrm>
           <a:prstGeom prst="rect">
             <a:avLst/>
           </a:prstGeom>
-          <a:noFill/>
+          <a:solidFill>
+            <a:schemeClr val="tx1"/>
+          </a:solidFill>
         </p:spPr>
         <p:txBody>
           <a:bodyPr wrap="square" rtlCol="0">
@@ -5453,14 +5787,14 @@
           <a:lstStyle/>
           <a:p>
             <a:r>
-              <a:rPr lang="en-US" sz="5400" b="1" dirty="0" smtClean="0">
+              <a:rPr lang="en-US" sz="7200" dirty="0" smtClean="0">
                 <a:solidFill>
                   <a:schemeClr val="bg1"/>
                 </a:solidFill>
               </a:rPr>
-              <a:t>Visible Aspects</a:t>
-            </a:r>
-            <a:endParaRPr lang="en-IN" sz="5400" b="1" dirty="0">
+              <a:t>History</a:t>
+            </a:r>
+            <a:endParaRPr lang="en-IN" sz="7200" dirty="0">
               <a:solidFill>
                 <a:schemeClr val="bg1"/>
               </a:solidFill>
@@ -5468,344 +5802,10 @@
           </a:p>
         </p:txBody>
       </p:sp>
-      <p:sp>
-        <p:nvSpPr>
-          <p:cNvPr id="5" name="TextBox 4"/>
-          <p:cNvSpPr txBox="1"/>
-          <p:nvPr/>
-        </p:nvSpPr>
-        <p:spPr>
-          <a:xfrm>
-            <a:off x="8748215" y="1871362"/>
-            <a:ext cx="3120788" cy="1692771"/>
-          </a:xfrm>
-          <a:prstGeom prst="rect">
-            <a:avLst/>
-          </a:prstGeom>
-          <a:noFill/>
-        </p:spPr>
-        <p:txBody>
-          <a:bodyPr wrap="square" rtlCol="0">
-            <a:spAutoFit/>
-          </a:bodyPr>
-          <a:lstStyle/>
-          <a:p>
-            <a:r>
-              <a:rPr lang="en-US" sz="4000" b="1" dirty="0" smtClean="0">
-                <a:solidFill>
-                  <a:schemeClr val="bg1"/>
-                </a:solidFill>
-              </a:rPr>
-              <a:t>Dance</a:t>
-            </a:r>
-          </a:p>
-          <a:p>
-            <a:pPr marL="342900" indent="-342900">
-              <a:buFont typeface="Arial" panose="020B0604020202020204" pitchFamily="34" charset="0"/>
-              <a:buChar char="•"/>
-            </a:pPr>
-            <a:r>
-              <a:rPr lang="en-US" sz="2000" dirty="0" err="1" smtClean="0">
-                <a:solidFill>
-                  <a:schemeClr val="bg1"/>
-                </a:solidFill>
-              </a:rPr>
-              <a:t>Hambo</a:t>
-            </a:r>
-            <a:r>
-              <a:rPr lang="en-US" sz="2000" dirty="0" smtClean="0">
-                <a:solidFill>
-                  <a:schemeClr val="bg1"/>
-                </a:solidFill>
-              </a:rPr>
-              <a:t> </a:t>
-            </a:r>
-          </a:p>
-          <a:p>
-            <a:pPr marL="342900" indent="-342900">
-              <a:buFont typeface="Arial" panose="020B0604020202020204" pitchFamily="34" charset="0"/>
-              <a:buChar char="•"/>
-            </a:pPr>
-            <a:r>
-              <a:rPr lang="en-US" sz="2000" dirty="0" err="1" smtClean="0">
-                <a:solidFill>
-                  <a:schemeClr val="bg1"/>
-                </a:solidFill>
-              </a:rPr>
-              <a:t>Polska</a:t>
-            </a:r>
-            <a:r>
-              <a:rPr lang="en-US" sz="2000" dirty="0" smtClean="0">
-                <a:solidFill>
-                  <a:schemeClr val="bg1"/>
-                </a:solidFill>
-              </a:rPr>
-              <a:t> </a:t>
-            </a:r>
-            <a:endParaRPr lang="en-US" sz="2000" dirty="0">
-              <a:solidFill>
-                <a:schemeClr val="bg1"/>
-              </a:solidFill>
-            </a:endParaRPr>
-          </a:p>
-          <a:p>
-            <a:endParaRPr lang="en-IN" sz="2400" dirty="0">
-              <a:solidFill>
-                <a:schemeClr val="bg1"/>
-              </a:solidFill>
-            </a:endParaRPr>
-          </a:p>
-        </p:txBody>
-      </p:sp>
-      <p:sp>
-        <p:nvSpPr>
-          <p:cNvPr id="7" name="TextBox 6"/>
-          <p:cNvSpPr txBox="1"/>
-          <p:nvPr/>
-        </p:nvSpPr>
-        <p:spPr>
-          <a:xfrm>
-            <a:off x="466295" y="1974899"/>
-            <a:ext cx="3589361" cy="2308324"/>
-          </a:xfrm>
-          <a:prstGeom prst="rect">
-            <a:avLst/>
-          </a:prstGeom>
-          <a:noFill/>
-        </p:spPr>
-        <p:txBody>
-          <a:bodyPr wrap="square" rtlCol="0">
-            <a:spAutoFit/>
-          </a:bodyPr>
-          <a:lstStyle/>
-          <a:p>
-            <a:r>
-              <a:rPr lang="en-US" sz="4000" b="1" dirty="0" smtClean="0">
-                <a:solidFill>
-                  <a:schemeClr val="bg1"/>
-                </a:solidFill>
-              </a:rPr>
-              <a:t>Greeting</a:t>
-            </a:r>
-          </a:p>
-          <a:p>
-            <a:pPr marL="342900" indent="-342900">
-              <a:buFont typeface="Arial" panose="020B0604020202020204" pitchFamily="34" charset="0"/>
-              <a:buChar char="•"/>
-            </a:pPr>
-            <a:r>
-              <a:rPr lang="en-US" sz="2000" dirty="0" smtClean="0">
-                <a:solidFill>
-                  <a:schemeClr val="bg1"/>
-                </a:solidFill>
-              </a:rPr>
-              <a:t>Firm handshake with direct eye contact</a:t>
-            </a:r>
-          </a:p>
-          <a:p>
-            <a:pPr marL="342900" indent="-342900">
-              <a:buFont typeface="Arial" panose="020B0604020202020204" pitchFamily="34" charset="0"/>
-              <a:buChar char="•"/>
-            </a:pPr>
-            <a:r>
-              <a:rPr lang="en-US" sz="2000" dirty="0" err="1" smtClean="0">
-                <a:solidFill>
-                  <a:schemeClr val="bg1"/>
-                </a:solidFill>
-              </a:rPr>
-              <a:t>Hej</a:t>
-            </a:r>
-            <a:endParaRPr lang="en-US" sz="2000" dirty="0" smtClean="0">
-              <a:solidFill>
-                <a:schemeClr val="bg1"/>
-              </a:solidFill>
-            </a:endParaRPr>
-          </a:p>
-          <a:p>
-            <a:pPr marL="342900" indent="-342900">
-              <a:buFont typeface="Arial" panose="020B0604020202020204" pitchFamily="34" charset="0"/>
-              <a:buChar char="•"/>
-            </a:pPr>
-            <a:r>
-              <a:rPr lang="en-US" sz="2000" dirty="0" err="1" smtClean="0">
-                <a:solidFill>
-                  <a:schemeClr val="bg1"/>
-                </a:solidFill>
-              </a:rPr>
-              <a:t>Hej</a:t>
-            </a:r>
-            <a:r>
-              <a:rPr lang="en-US" sz="2000" dirty="0" smtClean="0">
-                <a:solidFill>
-                  <a:schemeClr val="bg1"/>
-                </a:solidFill>
-              </a:rPr>
-              <a:t> da</a:t>
-            </a:r>
-            <a:endParaRPr lang="en-US" sz="2000" dirty="0">
-              <a:solidFill>
-                <a:schemeClr val="bg1"/>
-              </a:solidFill>
-            </a:endParaRPr>
-          </a:p>
-          <a:p>
-            <a:endParaRPr lang="en-IN" sz="2400" dirty="0">
-              <a:solidFill>
-                <a:schemeClr val="bg1"/>
-              </a:solidFill>
-            </a:endParaRPr>
-          </a:p>
-        </p:txBody>
-      </p:sp>
-      <p:sp>
-        <p:nvSpPr>
-          <p:cNvPr id="8" name="TextBox 7"/>
-          <p:cNvSpPr txBox="1"/>
-          <p:nvPr/>
-        </p:nvSpPr>
-        <p:spPr>
-          <a:xfrm>
-            <a:off x="4427561" y="1990560"/>
-            <a:ext cx="3948749" cy="2923877"/>
-          </a:xfrm>
-          <a:prstGeom prst="rect">
-            <a:avLst/>
-          </a:prstGeom>
-          <a:noFill/>
-        </p:spPr>
-        <p:txBody>
-          <a:bodyPr wrap="square" rtlCol="0">
-            <a:spAutoFit/>
-          </a:bodyPr>
-          <a:lstStyle/>
-          <a:p>
-            <a:r>
-              <a:rPr lang="en-US" sz="4000" b="1" dirty="0" smtClean="0">
-                <a:solidFill>
-                  <a:schemeClr val="bg1"/>
-                </a:solidFill>
-              </a:rPr>
-              <a:t>Music</a:t>
-            </a:r>
-          </a:p>
-          <a:p>
-            <a:pPr marL="342900" indent="-342900">
-              <a:buFont typeface="Arial" panose="020B0604020202020204" pitchFamily="34" charset="0"/>
-              <a:buChar char="•"/>
-            </a:pPr>
-            <a:r>
-              <a:rPr lang="en-US" sz="2000" dirty="0" smtClean="0">
-                <a:solidFill>
-                  <a:schemeClr val="bg1"/>
-                </a:solidFill>
-              </a:rPr>
-              <a:t>Eastern Europe</a:t>
-            </a:r>
-          </a:p>
-          <a:p>
-            <a:pPr marL="342900" indent="-342900">
-              <a:buFont typeface="Arial" panose="020B0604020202020204" pitchFamily="34" charset="0"/>
-              <a:buChar char="•"/>
-            </a:pPr>
-            <a:r>
-              <a:rPr lang="en-US" sz="2000" dirty="0" smtClean="0">
-                <a:solidFill>
-                  <a:schemeClr val="bg1"/>
-                </a:solidFill>
-              </a:rPr>
-              <a:t>Folk song – Ballad and </a:t>
-            </a:r>
-            <a:r>
-              <a:rPr lang="en-US" sz="2000" dirty="0" err="1">
-                <a:solidFill>
-                  <a:schemeClr val="bg1"/>
-                </a:solidFill>
-              </a:rPr>
-              <a:t>K</a:t>
-            </a:r>
-            <a:r>
-              <a:rPr lang="en-US" sz="2000" dirty="0" err="1" smtClean="0">
-                <a:solidFill>
-                  <a:schemeClr val="bg1"/>
-                </a:solidFill>
-              </a:rPr>
-              <a:t>unning</a:t>
-            </a:r>
-            <a:endParaRPr lang="en-US" sz="2000" dirty="0" smtClean="0">
-              <a:solidFill>
-                <a:schemeClr val="bg1"/>
-              </a:solidFill>
-            </a:endParaRPr>
-          </a:p>
-          <a:p>
-            <a:pPr marL="342900" indent="-342900">
-              <a:buFont typeface="Arial" panose="020B0604020202020204" pitchFamily="34" charset="0"/>
-              <a:buChar char="•"/>
-            </a:pPr>
-            <a:r>
-              <a:rPr lang="en-US" sz="2000" dirty="0" smtClean="0">
-                <a:solidFill>
-                  <a:schemeClr val="bg1"/>
-                </a:solidFill>
-              </a:rPr>
-              <a:t>Modern – jazz, pop, rock etc.</a:t>
-            </a:r>
-          </a:p>
-          <a:p>
-            <a:pPr marL="342900" indent="-342900">
-              <a:buFont typeface="Arial" panose="020B0604020202020204" pitchFamily="34" charset="0"/>
-              <a:buChar char="•"/>
-            </a:pPr>
-            <a:r>
-              <a:rPr lang="en-US" sz="2000" dirty="0" smtClean="0">
-                <a:solidFill>
-                  <a:schemeClr val="bg1"/>
-                </a:solidFill>
-              </a:rPr>
-              <a:t>ABBA</a:t>
-            </a:r>
-          </a:p>
-          <a:p>
-            <a:r>
-              <a:rPr lang="en-US" sz="2000" dirty="0" smtClean="0">
-                <a:solidFill>
-                  <a:schemeClr val="bg1"/>
-                </a:solidFill>
-              </a:rPr>
-              <a:t>      Jenny Lind</a:t>
-            </a:r>
-          </a:p>
-          <a:p>
-            <a:r>
-              <a:rPr lang="en-US" sz="2000" dirty="0">
-                <a:solidFill>
-                  <a:schemeClr val="bg1"/>
-                </a:solidFill>
-              </a:rPr>
-              <a:t> </a:t>
-            </a:r>
-            <a:r>
-              <a:rPr lang="en-US" sz="2000" dirty="0" smtClean="0">
-                <a:solidFill>
-                  <a:schemeClr val="bg1"/>
-                </a:solidFill>
-              </a:rPr>
-              <a:t>     Max Martin</a:t>
-            </a:r>
-          </a:p>
-          <a:p>
-            <a:endParaRPr lang="en-IN" sz="2400" dirty="0">
-              <a:solidFill>
-                <a:schemeClr val="bg1"/>
-              </a:solidFill>
-            </a:endParaRPr>
-          </a:p>
-        </p:txBody>
-      </p:sp>
     </p:spTree>
     <p:extLst>
       <p:ext uri="{BB962C8B-B14F-4D97-AF65-F5344CB8AC3E}">
-        <p14:creationId xmlns:p14="http://schemas.microsoft.com/office/powerpoint/2010/main" val="3497110165"/>
+        <p14:creationId xmlns:p14="http://schemas.microsoft.com/office/powerpoint/2010/main" val="1728878270"/>
       </p:ext>
     </p:extLst>
   </p:cSld>
